--- a/제안서/강태규/졸업작품_제안서_2.0.0ver.pptx
+++ b/제안서/강태규/졸업작품_제안서_2.0.0ver.pptx
@@ -13,6 +13,8 @@
     <p:sldId id="259" r:id="rId7"/>
     <p:sldId id="264" r:id="rId8"/>
     <p:sldId id="265" r:id="rId9"/>
+    <p:sldId id="266" r:id="rId10"/>
+    <p:sldId id="267" r:id="rId11"/>
   </p:sldIdLst>
   <p:sldSz cx="12192000" cy="6858000"/>
   <p:notesSz cx="6858000" cy="9144000"/>
@@ -3397,6 +3399,19 @@
               <a:rPr lang="ko-KR" altLang="en-US" dirty="0"/>
               <a:t>에이지 오브 이데올로기</a:t>
             </a:r>
+            <a:r>
+              <a:rPr lang="en-US" altLang="ko-KR" dirty="0"/>
+              <a:t>(</a:t>
+            </a:r>
+            <a:r>
+              <a:rPr lang="ko-KR" altLang="en-US" dirty="0"/>
+              <a:t>가칭</a:t>
+            </a:r>
+            <a:r>
+              <a:rPr lang="en-US" altLang="ko-KR" dirty="0"/>
+              <a:t>)</a:t>
+            </a:r>
+            <a:endParaRPr lang="ko-KR" altLang="en-US" dirty="0"/>
           </a:p>
         </p:txBody>
       </p:sp>
@@ -3404,6 +3419,228 @@
     <p:extLst>
       <p:ext uri="{BB962C8B-B14F-4D97-AF65-F5344CB8AC3E}">
         <p14:creationId xmlns:p14="http://schemas.microsoft.com/office/powerpoint/2010/main" val="3544251422"/>
+      </p:ext>
+    </p:extLst>
+  </p:cSld>
+  <p:clrMapOvr>
+    <a:masterClrMapping/>
+  </p:clrMapOvr>
+</p:sld>
+</file>
+
+<file path=ppt/slides/slide10.xml><?xml version="1.0" encoding="utf-8"?>
+<p:sld xmlns:a="http://schemas.openxmlformats.org/drawingml/2006/main" xmlns:r="http://schemas.openxmlformats.org/officeDocument/2006/relationships" xmlns:p="http://schemas.openxmlformats.org/presentationml/2006/main">
+  <p:cSld>
+    <p:spTree>
+      <p:nvGrpSpPr>
+        <p:cNvPr id="1" name=""/>
+        <p:cNvGrpSpPr/>
+        <p:nvPr/>
+      </p:nvGrpSpPr>
+      <p:grpSpPr>
+        <a:xfrm>
+          <a:off x="0" y="0"/>
+          <a:ext cx="0" cy="0"/>
+          <a:chOff x="0" y="0"/>
+          <a:chExt cx="0" cy="0"/>
+        </a:xfrm>
+      </p:grpSpPr>
+      <p:sp>
+        <p:nvSpPr>
+          <p:cNvPr id="2" name="제목 1">
+            <a:extLst>
+              <a:ext uri="{FF2B5EF4-FFF2-40B4-BE49-F238E27FC236}">
+                <a16:creationId xmlns:a16="http://schemas.microsoft.com/office/drawing/2014/main" id="{F9878876-6E0C-4053-AAAB-AC16D55C20E6}"/>
+              </a:ext>
+            </a:extLst>
+          </p:cNvPr>
+          <p:cNvSpPr>
+            <a:spLocks noGrp="1"/>
+          </p:cNvSpPr>
+          <p:nvPr>
+            <p:ph type="title"/>
+          </p:nvPr>
+        </p:nvSpPr>
+        <p:spPr/>
+        <p:txBody>
+          <a:bodyPr/>
+          <a:lstStyle/>
+          <a:p>
+            <a:pPr marL="571500" indent="-571500">
+              <a:buFont typeface="Arial" panose="020B0604020202020204" pitchFamily="34" charset="0"/>
+              <a:buChar char="•"/>
+            </a:pPr>
+            <a:r>
+              <a:rPr lang="ko-KR" altLang="en-US" dirty="0"/>
+              <a:t>게임 설명 </a:t>
+            </a:r>
+            <a:r>
+              <a:rPr lang="en-US" altLang="ko-KR" dirty="0"/>
+              <a:t>- </a:t>
+            </a:r>
+            <a:r>
+              <a:rPr lang="ko-KR" altLang="en-US" dirty="0"/>
+              <a:t>오프 맵 스킬</a:t>
+            </a:r>
+          </a:p>
+        </p:txBody>
+      </p:sp>
+      <p:sp>
+        <p:nvSpPr>
+          <p:cNvPr id="3" name="내용 개체 틀 2">
+            <a:extLst>
+              <a:ext uri="{FF2B5EF4-FFF2-40B4-BE49-F238E27FC236}">
+                <a16:creationId xmlns:a16="http://schemas.microsoft.com/office/drawing/2014/main" id="{E3EE9546-4E0C-4B11-9160-5707A8B431E4}"/>
+              </a:ext>
+            </a:extLst>
+          </p:cNvPr>
+          <p:cNvSpPr>
+            <a:spLocks noGrp="1"/>
+          </p:cNvSpPr>
+          <p:nvPr>
+            <p:ph idx="1"/>
+          </p:nvPr>
+        </p:nvSpPr>
+        <p:spPr/>
+        <p:txBody>
+          <a:bodyPr>
+            <a:normAutofit/>
+          </a:bodyPr>
+          <a:lstStyle/>
+          <a:p>
+            <a:r>
+              <a:rPr lang="ko-KR" altLang="en-US" dirty="0"/>
+              <a:t>일정 자원을 소비하고 다양한 형태로 이득을 얻도록 하는 스킬이다</a:t>
+            </a:r>
+            <a:r>
+              <a:rPr lang="en-US" altLang="ko-KR" dirty="0"/>
+              <a:t>.</a:t>
+            </a:r>
+          </a:p>
+          <a:p>
+            <a:r>
+              <a:rPr lang="ko-KR" altLang="en-US" dirty="0"/>
+              <a:t>포격</a:t>
+            </a:r>
+            <a:r>
+              <a:rPr lang="en-US" altLang="ko-KR" dirty="0"/>
+              <a:t>, </a:t>
+            </a:r>
+            <a:r>
+              <a:rPr lang="ko-KR" altLang="en-US" dirty="0"/>
+              <a:t>폭격 등의 </a:t>
+            </a:r>
+            <a:r>
+              <a:rPr lang="ko-KR" altLang="en-US" dirty="0" err="1"/>
+              <a:t>즉효성</a:t>
+            </a:r>
+            <a:r>
+              <a:rPr lang="ko-KR" altLang="en-US" dirty="0"/>
+              <a:t> 공격 스킬과 근접 항공 지원</a:t>
+            </a:r>
+            <a:r>
+              <a:rPr lang="en-US" altLang="ko-KR" dirty="0"/>
+              <a:t>,</a:t>
+            </a:r>
+            <a:r>
+              <a:rPr lang="ko-KR" altLang="en-US" dirty="0"/>
+              <a:t> 지원군 등의 지속성 지원 스킬</a:t>
+            </a:r>
+            <a:r>
+              <a:rPr lang="en-US" altLang="ko-KR" dirty="0"/>
+              <a:t>, </a:t>
+            </a:r>
+            <a:r>
+              <a:rPr lang="ko-KR" altLang="en-US" dirty="0"/>
+              <a:t>사용하면 사라지는 공중 자원 보급</a:t>
+            </a:r>
+            <a:r>
+              <a:rPr lang="en-US" altLang="ko-KR" dirty="0"/>
+              <a:t>, </a:t>
+            </a:r>
+            <a:r>
+              <a:rPr lang="ko-KR" altLang="en-US" dirty="0"/>
+              <a:t>중화기 지원 등이 있다</a:t>
+            </a:r>
+            <a:r>
+              <a:rPr lang="en-US" altLang="ko-KR" dirty="0"/>
+              <a:t>.</a:t>
+            </a:r>
+          </a:p>
+          <a:p>
+            <a:r>
+              <a:rPr lang="ko-KR" altLang="en-US" dirty="0"/>
+              <a:t>지원군은 추후 기획에 따라서 </a:t>
+            </a:r>
+            <a:r>
+              <a:rPr lang="en-US" altLang="ko-KR" dirty="0"/>
+              <a:t>AI</a:t>
+            </a:r>
+            <a:r>
+              <a:rPr lang="ko-KR" altLang="en-US" dirty="0"/>
+              <a:t>가 조종하는 유닛으로 소환되거나 플레이어의 유닛으로 생산된다</a:t>
+            </a:r>
+            <a:r>
+              <a:rPr lang="en-US" altLang="ko-KR" dirty="0"/>
+              <a:t>.</a:t>
+            </a:r>
+          </a:p>
+          <a:p>
+            <a:r>
+              <a:rPr lang="ko-KR" altLang="en-US" dirty="0"/>
+              <a:t>포격 </a:t>
+            </a:r>
+            <a:r>
+              <a:rPr lang="en-US" altLang="ko-KR" dirty="0"/>
+              <a:t>-&gt; </a:t>
+            </a:r>
+            <a:r>
+              <a:rPr lang="ko-KR" altLang="en-US" dirty="0"/>
+              <a:t>폭격 </a:t>
+            </a:r>
+            <a:r>
+              <a:rPr lang="en-US" altLang="ko-KR" dirty="0"/>
+              <a:t>-&gt; </a:t>
+            </a:r>
+            <a:r>
+              <a:rPr lang="ko-KR" altLang="en-US" dirty="0"/>
+              <a:t>중화기 지원 </a:t>
+            </a:r>
+            <a:r>
+              <a:rPr lang="en-US" altLang="ko-KR" dirty="0"/>
+              <a:t>-&gt; </a:t>
+            </a:r>
+            <a:r>
+              <a:rPr lang="ko-KR" altLang="en-US" dirty="0"/>
+              <a:t>공중 자원 보급 </a:t>
+            </a:r>
+            <a:r>
+              <a:rPr lang="en-US" altLang="ko-KR" dirty="0"/>
+              <a:t>-&gt; </a:t>
+            </a:r>
+            <a:r>
+              <a:rPr lang="ko-KR" altLang="en-US" dirty="0"/>
+              <a:t>지원군 </a:t>
+            </a:r>
+            <a:r>
+              <a:rPr lang="en-US" altLang="ko-KR" dirty="0"/>
+              <a:t>-&gt; </a:t>
+            </a:r>
+            <a:r>
+              <a:rPr lang="ko-KR" altLang="en-US" dirty="0"/>
+              <a:t>근접 항공 지원 순으로 시간과 역량을 고려하여 추가 구현한다</a:t>
+            </a:r>
+            <a:r>
+              <a:rPr lang="en-US" altLang="ko-KR" dirty="0"/>
+              <a:t>.</a:t>
+            </a:r>
+          </a:p>
+        </p:txBody>
+      </p:sp>
+    </p:spTree>
+    <p:extLst>
+      <p:ext uri="{BB962C8B-B14F-4D97-AF65-F5344CB8AC3E}">
+        <p14:creationId xmlns:p14="http://schemas.microsoft.com/office/powerpoint/2010/main" val="243953228"/>
       </p:ext>
     </p:extLst>
   </p:cSld>
@@ -5541,7 +5778,7 @@
             </a:r>
             <a:r>
               <a:rPr lang="ko-KR" altLang="en-US" dirty="0"/>
-              <a:t>공산주의가 있다</a:t>
+              <a:t>공산주의 중에 하나를 선택할 수 있다</a:t>
             </a:r>
             <a:r>
               <a:rPr lang="en-US" altLang="ko-KR" dirty="0"/>
@@ -5712,7 +5949,7 @@
           <a:p>
             <a:r>
               <a:rPr lang="ko-KR" altLang="en-US" dirty="0"/>
-              <a:t>유닛에 따라 자원을 소비하고 특화장비를 착용할 수 있다</a:t>
+              <a:t>유닛에 따라 자원을 소비해서 특화장비를 착용할 수 있다</a:t>
             </a:r>
             <a:endParaRPr lang="en-US" altLang="ko-KR" dirty="0"/>
           </a:p>
@@ -5814,76 +6051,153 @@
         </p:nvSpPr>
         <p:spPr/>
         <p:txBody>
-          <a:bodyPr/>
+          <a:bodyPr>
+            <a:normAutofit/>
+          </a:bodyPr>
           <a:lstStyle/>
           <a:p>
             <a:r>
-              <a:rPr lang="ko-KR" altLang="en-US" dirty="0"/>
+              <a:rPr lang="ko-KR" altLang="en-US" sz="2000" dirty="0"/>
               <a:t>보병 유닛인 경우 분대 단위로 </a:t>
             </a:r>
             <a:r>
-              <a:rPr lang="en-US" altLang="ko-KR" dirty="0"/>
-              <a:t>1~6</a:t>
-            </a:r>
-            <a:r>
-              <a:rPr lang="ko-KR" altLang="en-US" dirty="0"/>
-              <a:t>인으로 묶여져 있고 분대원 마다 각각의 체력을 가지고 합산된 체력만 표시된다</a:t>
-            </a:r>
-            <a:r>
-              <a:rPr lang="en-US" altLang="ko-KR" dirty="0"/>
+              <a:rPr lang="en-US" altLang="ko-KR" sz="2000" dirty="0"/>
+              <a:t>1</a:t>
+            </a:r>
+            <a:r>
+              <a:rPr lang="ko-KR" altLang="en-US" sz="2000" dirty="0"/>
+              <a:t>인 이상으로 구성되며 분대원 마다 각각의 체력을 가지고 합산된 체력만 표시된다</a:t>
+            </a:r>
+            <a:r>
+              <a:rPr lang="en-US" altLang="ko-KR" sz="2000" dirty="0"/>
               <a:t>.</a:t>
             </a:r>
           </a:p>
           <a:p>
             <a:r>
-              <a:rPr lang="ko-KR" altLang="en-US" dirty="0"/>
-              <a:t>분대원의 일부를 잃은 분대는 특정 건물 근처에서 자원을 소비하고 충원 할 수 있다</a:t>
-            </a:r>
-            <a:r>
-              <a:rPr lang="en-US" altLang="ko-KR" dirty="0"/>
+              <a:rPr lang="ko-KR" altLang="en-US" sz="2000" dirty="0"/>
+              <a:t>분대원의 일부를 잃은 분대는 본진 근처에서 자원을 소비하고 충원 할 수 있다</a:t>
+            </a:r>
+            <a:r>
+              <a:rPr lang="en-US" altLang="ko-KR" sz="2000" dirty="0"/>
               <a:t>.</a:t>
             </a:r>
           </a:p>
           <a:p>
             <a:r>
-              <a:rPr lang="ko-KR" altLang="en-US" dirty="0"/>
+              <a:rPr lang="ko-KR" altLang="en-US" sz="2000" dirty="0"/>
               <a:t>중화기 보병인 경우 전멸 시 중화기를 드랍하고 중화기를 가지지 않은 보병이 습득할 수 있다</a:t>
             </a:r>
             <a:r>
-              <a:rPr lang="en-US" altLang="ko-KR" dirty="0"/>
+              <a:rPr lang="en-US" altLang="ko-KR" sz="2000" dirty="0"/>
               <a:t>.</a:t>
             </a:r>
           </a:p>
           <a:p>
             <a:r>
-              <a:rPr lang="ko-KR" altLang="en-US" dirty="0"/>
+              <a:rPr lang="ko-KR" altLang="en-US" sz="2000" dirty="0"/>
               <a:t>특화장비를 가진 보병인 경우 확률적으로 드랍 한다</a:t>
             </a:r>
             <a:r>
-              <a:rPr lang="en-US" altLang="ko-KR" dirty="0"/>
+              <a:rPr lang="en-US" altLang="ko-KR" sz="2000" dirty="0"/>
               <a:t>.</a:t>
             </a:r>
           </a:p>
           <a:p>
             <a:r>
-              <a:rPr lang="ko-KR" altLang="en-US" dirty="0"/>
-              <a:t>기갑 유닛은 </a:t>
-            </a:r>
-            <a:r>
-              <a:rPr lang="en-US" altLang="ko-KR" dirty="0"/>
-              <a:t>1</a:t>
-            </a:r>
-            <a:r>
-              <a:rPr lang="ko-KR" altLang="en-US" dirty="0"/>
-              <a:t>대로 구성된다</a:t>
-            </a:r>
-            <a:r>
-              <a:rPr lang="en-US" altLang="ko-KR" dirty="0"/>
+              <a:rPr lang="ko-KR" altLang="en-US" sz="2000" dirty="0"/>
+              <a:t>분대 단위로 </a:t>
+            </a:r>
+            <a:r>
+              <a:rPr lang="ko-KR" altLang="en-US" sz="2000" dirty="0" err="1"/>
+              <a:t>멘탈</a:t>
+            </a:r>
+            <a:r>
+              <a:rPr lang="ko-KR" altLang="en-US" sz="2000" dirty="0"/>
+              <a:t> 게이지를 가지며 게이지 상태에 따라 </a:t>
+            </a:r>
+            <a:r>
+              <a:rPr lang="en-US" altLang="ko-KR" sz="2000" dirty="0"/>
+              <a:t>AI</a:t>
+            </a:r>
+            <a:r>
+              <a:rPr lang="ko-KR" altLang="en-US" sz="2000" dirty="0"/>
+              <a:t>행동이 달라지며 게이지가 한계에 도달한 경우 퇴각 이외의 명령을 거부한다</a:t>
+            </a:r>
+            <a:r>
+              <a:rPr lang="en-US" altLang="ko-KR" sz="2000" dirty="0"/>
               <a:t>.</a:t>
             </a:r>
           </a:p>
           <a:p>
-            <a:endParaRPr lang="ko-KR" altLang="en-US" dirty="0"/>
+            <a:r>
+              <a:rPr lang="ko-KR" altLang="en-US" sz="2000" dirty="0"/>
+              <a:t>지형 지물</a:t>
+            </a:r>
+            <a:r>
+              <a:rPr lang="en-US" altLang="ko-KR" sz="2000" dirty="0"/>
+              <a:t>, </a:t>
+            </a:r>
+            <a:r>
+              <a:rPr lang="ko-KR" altLang="en-US" sz="2000" dirty="0"/>
+              <a:t>모래 주머니</a:t>
+            </a:r>
+            <a:r>
+              <a:rPr lang="en-US" altLang="ko-KR" sz="2000" dirty="0"/>
+              <a:t>, </a:t>
+            </a:r>
+            <a:r>
+              <a:rPr lang="ko-KR" altLang="en-US" sz="2000" dirty="0"/>
+              <a:t>기갑 유닛에 엄폐하여 보너스를 얻을 수 있다</a:t>
+            </a:r>
+            <a:r>
+              <a:rPr lang="en-US" altLang="ko-KR" sz="2000" dirty="0"/>
+              <a:t>.</a:t>
+            </a:r>
+          </a:p>
+          <a:p>
+            <a:r>
+              <a:rPr lang="en-US" altLang="ko-KR" sz="2000" dirty="0"/>
+              <a:t>(</a:t>
+            </a:r>
+            <a:r>
+              <a:rPr lang="ko-KR" altLang="en-US" sz="2000" dirty="0"/>
+              <a:t>가</a:t>
+            </a:r>
+            <a:r>
+              <a:rPr lang="en-US" altLang="ko-KR" sz="2000" dirty="0"/>
+              <a:t>) </a:t>
+            </a:r>
+            <a:r>
+              <a:rPr lang="ko-KR" altLang="en-US" sz="2000" dirty="0"/>
+              <a:t>보병을 건물안에 주둔 시킬 수 있다</a:t>
+            </a:r>
+            <a:r>
+              <a:rPr lang="en-US" altLang="ko-KR" sz="2000" dirty="0"/>
+              <a:t>.</a:t>
+            </a:r>
+          </a:p>
+          <a:p>
+            <a:r>
+              <a:rPr lang="en-US" altLang="ko-KR" sz="2000" dirty="0"/>
+              <a:t>(</a:t>
+            </a:r>
+            <a:r>
+              <a:rPr lang="ko-KR" altLang="en-US" sz="2000" dirty="0"/>
+              <a:t>가</a:t>
+            </a:r>
+            <a:r>
+              <a:rPr lang="en-US" altLang="ko-KR" sz="2000" dirty="0"/>
+              <a:t>) </a:t>
+            </a:r>
+            <a:r>
+              <a:rPr lang="ko-KR" altLang="en-US" sz="2000" dirty="0"/>
+              <a:t>건물 안에 주둔 할 경우 근처에 적 유닛이 오더라도 공격 하지 않고 숨어 있도록 은폐할 수 있다</a:t>
+            </a:r>
+            <a:r>
+              <a:rPr lang="en-US" altLang="ko-KR" sz="2000" dirty="0"/>
+              <a:t>.</a:t>
+            </a:r>
           </a:p>
         </p:txBody>
       </p:sp>
@@ -5891,6 +6205,281 @@
     <p:extLst>
       <p:ext uri="{BB962C8B-B14F-4D97-AF65-F5344CB8AC3E}">
         <p14:creationId xmlns:p14="http://schemas.microsoft.com/office/powerpoint/2010/main" val="1306984779"/>
+      </p:ext>
+    </p:extLst>
+  </p:cSld>
+  <p:clrMapOvr>
+    <a:masterClrMapping/>
+  </p:clrMapOvr>
+</p:sld>
+</file>
+
+<file path=ppt/slides/slide9.xml><?xml version="1.0" encoding="utf-8"?>
+<p:sld xmlns:a="http://schemas.openxmlformats.org/drawingml/2006/main" xmlns:r="http://schemas.openxmlformats.org/officeDocument/2006/relationships" xmlns:p="http://schemas.openxmlformats.org/presentationml/2006/main">
+  <p:cSld>
+    <p:spTree>
+      <p:nvGrpSpPr>
+        <p:cNvPr id="1" name=""/>
+        <p:cNvGrpSpPr/>
+        <p:nvPr/>
+      </p:nvGrpSpPr>
+      <p:grpSpPr>
+        <a:xfrm>
+          <a:off x="0" y="0"/>
+          <a:ext cx="0" cy="0"/>
+          <a:chOff x="0" y="0"/>
+          <a:chExt cx="0" cy="0"/>
+        </a:xfrm>
+      </p:grpSpPr>
+      <p:sp>
+        <p:nvSpPr>
+          <p:cNvPr id="2" name="제목 1">
+            <a:extLst>
+              <a:ext uri="{FF2B5EF4-FFF2-40B4-BE49-F238E27FC236}">
+                <a16:creationId xmlns:a16="http://schemas.microsoft.com/office/drawing/2014/main" id="{DB871B44-623C-400C-8506-10DA61659945}"/>
+              </a:ext>
+            </a:extLst>
+          </p:cNvPr>
+          <p:cNvSpPr>
+            <a:spLocks noGrp="1"/>
+          </p:cNvSpPr>
+          <p:nvPr>
+            <p:ph type="title"/>
+          </p:nvPr>
+        </p:nvSpPr>
+        <p:spPr/>
+        <p:txBody>
+          <a:bodyPr/>
+          <a:lstStyle/>
+          <a:p>
+            <a:pPr marL="571500" indent="-571500">
+              <a:buFont typeface="Arial" panose="020B0604020202020204" pitchFamily="34" charset="0"/>
+              <a:buChar char="•"/>
+            </a:pPr>
+            <a:r>
+              <a:rPr lang="ko-KR" altLang="en-US" dirty="0"/>
+              <a:t>게임 설명 </a:t>
+            </a:r>
+            <a:r>
+              <a:rPr lang="en-US" altLang="ko-KR" dirty="0"/>
+              <a:t>- </a:t>
+            </a:r>
+            <a:r>
+              <a:rPr lang="ko-KR" altLang="en-US" dirty="0"/>
+              <a:t>기갑</a:t>
+            </a:r>
+          </a:p>
+        </p:txBody>
+      </p:sp>
+      <p:sp>
+        <p:nvSpPr>
+          <p:cNvPr id="3" name="내용 개체 틀 2">
+            <a:extLst>
+              <a:ext uri="{FF2B5EF4-FFF2-40B4-BE49-F238E27FC236}">
+                <a16:creationId xmlns:a16="http://schemas.microsoft.com/office/drawing/2014/main" id="{3757DAD5-6B6A-4EC6-954F-EC426387E2B9}"/>
+              </a:ext>
+            </a:extLst>
+          </p:cNvPr>
+          <p:cNvSpPr>
+            <a:spLocks noGrp="1"/>
+          </p:cNvSpPr>
+          <p:nvPr>
+            <p:ph idx="1"/>
+          </p:nvPr>
+        </p:nvSpPr>
+        <p:spPr/>
+        <p:txBody>
+          <a:bodyPr>
+            <a:normAutofit fontScale="92500"/>
+          </a:bodyPr>
+          <a:lstStyle/>
+          <a:p>
+            <a:r>
+              <a:rPr lang="ko-KR" altLang="en-US" sz="2400" dirty="0"/>
+              <a:t>기갑 유닛은 </a:t>
+            </a:r>
+            <a:r>
+              <a:rPr lang="en-US" altLang="ko-KR" sz="2400" dirty="0"/>
+              <a:t>1</a:t>
+            </a:r>
+            <a:r>
+              <a:rPr lang="ko-KR" altLang="en-US" sz="2400" dirty="0"/>
+              <a:t>대로 구성된다</a:t>
+            </a:r>
+            <a:r>
+              <a:rPr lang="en-US" altLang="ko-KR" sz="2400" dirty="0"/>
+              <a:t>.</a:t>
+            </a:r>
+          </a:p>
+          <a:p>
+            <a:r>
+              <a:rPr lang="ko-KR" altLang="en-US" sz="2400" dirty="0"/>
+              <a:t>여러 개의 파츠로 이루어지며 공격 받으면 파츠가 손상될 수 있다</a:t>
+            </a:r>
+            <a:r>
+              <a:rPr lang="en-US" altLang="ko-KR" sz="2400" dirty="0"/>
+              <a:t>.</a:t>
+            </a:r>
+          </a:p>
+          <a:p>
+            <a:r>
+              <a:rPr lang="en-US" altLang="ko-KR" sz="2400" dirty="0"/>
+              <a:t>(</a:t>
+            </a:r>
+            <a:r>
+              <a:rPr lang="ko-KR" altLang="en-US" sz="2400" dirty="0"/>
+              <a:t>가</a:t>
+            </a:r>
+            <a:r>
+              <a:rPr lang="en-US" altLang="ko-KR" sz="2400" dirty="0"/>
+              <a:t>)</a:t>
+            </a:r>
+            <a:r>
+              <a:rPr lang="ko-KR" altLang="en-US" sz="2400" dirty="0"/>
+              <a:t>여러 명의 승무원을 가지며 공격을 받으면 승무원이 사망</a:t>
+            </a:r>
+            <a:r>
+              <a:rPr lang="en-US" altLang="ko-KR" sz="2400" dirty="0"/>
+              <a:t>, </a:t>
+            </a:r>
+            <a:r>
+              <a:rPr lang="ko-KR" altLang="en-US" sz="2400" dirty="0"/>
+              <a:t>기절할 수 있다</a:t>
+            </a:r>
+            <a:r>
+              <a:rPr lang="en-US" altLang="ko-KR" sz="2400" dirty="0"/>
+              <a:t>.</a:t>
+            </a:r>
+          </a:p>
+          <a:p>
+            <a:r>
+              <a:rPr lang="ko-KR" altLang="en-US" sz="2400" dirty="0"/>
+              <a:t>파츠가 손상되면 </a:t>
+            </a:r>
+            <a:r>
+              <a:rPr lang="ko-KR" altLang="en-US" sz="2400" dirty="0" err="1"/>
+              <a:t>패널티가</a:t>
+            </a:r>
+            <a:r>
+              <a:rPr lang="ko-KR" altLang="en-US" sz="2400" dirty="0"/>
+              <a:t> 생기거나 행동에 제약이 걸릴 수 있다</a:t>
+            </a:r>
+            <a:r>
+              <a:rPr lang="en-US" altLang="ko-KR" sz="2400" dirty="0"/>
+              <a:t>.</a:t>
+            </a:r>
+          </a:p>
+          <a:p>
+            <a:r>
+              <a:rPr lang="ko-KR" altLang="en-US" sz="2400" dirty="0"/>
+              <a:t>특정 보병 유닛을 사용하여 손상된 파츠를 수리할 수 있다</a:t>
+            </a:r>
+            <a:r>
+              <a:rPr lang="en-US" altLang="ko-KR" sz="2400" dirty="0"/>
+              <a:t>.</a:t>
+            </a:r>
+          </a:p>
+          <a:p>
+            <a:r>
+              <a:rPr lang="en-US" altLang="ko-KR" sz="2400" dirty="0"/>
+              <a:t>(</a:t>
+            </a:r>
+            <a:r>
+              <a:rPr lang="ko-KR" altLang="en-US" sz="2400" dirty="0"/>
+              <a:t>가</a:t>
+            </a:r>
+            <a:r>
+              <a:rPr lang="en-US" altLang="ko-KR" sz="2400" dirty="0"/>
+              <a:t>)</a:t>
+            </a:r>
+            <a:r>
+              <a:rPr lang="ko-KR" altLang="en-US" sz="2400" dirty="0"/>
+              <a:t>승무원이 기절</a:t>
+            </a:r>
+            <a:r>
+              <a:rPr lang="en-US" altLang="ko-KR" sz="2400" dirty="0"/>
+              <a:t>,</a:t>
+            </a:r>
+            <a:r>
+              <a:rPr lang="ko-KR" altLang="en-US" sz="2400" dirty="0"/>
+              <a:t>사망한 경우 </a:t>
+            </a:r>
+            <a:r>
+              <a:rPr lang="ko-KR" altLang="en-US" sz="2400" dirty="0" err="1"/>
+              <a:t>패널티가</a:t>
+            </a:r>
+            <a:r>
+              <a:rPr lang="ko-KR" altLang="en-US" sz="2400" dirty="0"/>
+              <a:t> 생기거나 행동에 제약이 걸릴 수 있고 파괴 되지 않고 승무원이 전멸 할 경우 노획이 가능하다</a:t>
+            </a:r>
+            <a:r>
+              <a:rPr lang="en-US" altLang="ko-KR" sz="2400" dirty="0"/>
+              <a:t>.</a:t>
+            </a:r>
+          </a:p>
+          <a:p>
+            <a:r>
+              <a:rPr lang="en-US" altLang="ko-KR" sz="2400" dirty="0"/>
+              <a:t>(</a:t>
+            </a:r>
+            <a:r>
+              <a:rPr lang="ko-KR" altLang="en-US" sz="2400" dirty="0"/>
+              <a:t>가</a:t>
+            </a:r>
+            <a:r>
+              <a:rPr lang="en-US" altLang="ko-KR" sz="2400" dirty="0"/>
+              <a:t>)</a:t>
+            </a:r>
+            <a:r>
+              <a:rPr lang="ko-KR" altLang="en-US" sz="2400" dirty="0"/>
+              <a:t>승무원이 기절 한 경우에는 시간이 지나면 복구 되나 사망시에는 보병과 마찬가지로 본진에서 충원하거나 보병분대를 사용할 수 있다</a:t>
+            </a:r>
+            <a:r>
+              <a:rPr lang="en-US" altLang="ko-KR" sz="2400" dirty="0"/>
+              <a:t>.</a:t>
+            </a:r>
+          </a:p>
+          <a:p>
+            <a:r>
+              <a:rPr lang="en-US" altLang="ko-KR" sz="2400" dirty="0"/>
+              <a:t>(</a:t>
+            </a:r>
+            <a:r>
+              <a:rPr lang="ko-KR" altLang="en-US" sz="2400" dirty="0"/>
+              <a:t>가</a:t>
+            </a:r>
+            <a:r>
+              <a:rPr lang="en-US" altLang="ko-KR" sz="2400" dirty="0"/>
+              <a:t>)</a:t>
+            </a:r>
+            <a:r>
+              <a:rPr lang="ko-KR" altLang="en-US" sz="2400" dirty="0"/>
+              <a:t>노획한 경우에는 노획한 기갑 유닛의 능력치의 </a:t>
+            </a:r>
+            <a:r>
+              <a:rPr lang="en-US" altLang="ko-KR" sz="2400" dirty="0"/>
+              <a:t>9</a:t>
+            </a:r>
+            <a:r>
+              <a:rPr lang="ko-KR" altLang="en-US" sz="2400" dirty="0" err="1"/>
+              <a:t>할을</a:t>
+            </a:r>
+            <a:r>
+              <a:rPr lang="ko-KR" altLang="en-US" sz="2400" dirty="0"/>
+              <a:t> 유지하는 비 숙련 레벨추가로 가진다</a:t>
+            </a:r>
+            <a:r>
+              <a:rPr lang="en-US" altLang="ko-KR" sz="2400" dirty="0"/>
+              <a:t>.</a:t>
+            </a:r>
+            <a:endParaRPr lang="ko-KR" altLang="en-US" sz="2400" dirty="0"/>
+          </a:p>
+        </p:txBody>
+      </p:sp>
+    </p:spTree>
+    <p:extLst>
+      <p:ext uri="{BB962C8B-B14F-4D97-AF65-F5344CB8AC3E}">
+        <p14:creationId xmlns:p14="http://schemas.microsoft.com/office/powerpoint/2010/main" val="2050165445"/>
       </p:ext>
     </p:extLst>
   </p:cSld>
